--- a/plots/figure-regression-evo-nobackground/regression-evo-nobackground.pptx
+++ b/plots/figure-regression-evo-nobackground/regression-evo-nobackground.pptx
@@ -208,7 +208,7 @@
           <a:p>
             <a:fld id="{2A9A5876-C471-4544-8499-F3B4B459F2CD}" type="datetimeFigureOut">
               <a:rPr lang="en-US" smtClean="0"/>
-              <a:t>1/25/24</a:t>
+              <a:t>1/28/24</a:t>
             </a:fld>
             <a:endParaRPr lang="en-US"/>
           </a:p>
@@ -709,7 +709,7 @@
           <a:p>
             <a:fld id="{94C0F65A-03C2-A443-87A6-EAFB05600107}" type="datetimeFigureOut">
               <a:rPr lang="en-US" smtClean="0"/>
-              <a:t>1/25/24</a:t>
+              <a:t>1/28/24</a:t>
             </a:fld>
             <a:endParaRPr lang="en-US"/>
           </a:p>
@@ -909,7 +909,7 @@
           <a:p>
             <a:fld id="{94C0F65A-03C2-A443-87A6-EAFB05600107}" type="datetimeFigureOut">
               <a:rPr lang="en-US" smtClean="0"/>
-              <a:t>1/25/24</a:t>
+              <a:t>1/28/24</a:t>
             </a:fld>
             <a:endParaRPr lang="en-US"/>
           </a:p>
@@ -1119,7 +1119,7 @@
           <a:p>
             <a:fld id="{94C0F65A-03C2-A443-87A6-EAFB05600107}" type="datetimeFigureOut">
               <a:rPr lang="en-US" smtClean="0"/>
-              <a:t>1/25/24</a:t>
+              <a:t>1/28/24</a:t>
             </a:fld>
             <a:endParaRPr lang="en-US"/>
           </a:p>
@@ -1319,7 +1319,7 @@
           <a:p>
             <a:fld id="{94C0F65A-03C2-A443-87A6-EAFB05600107}" type="datetimeFigureOut">
               <a:rPr lang="en-US" smtClean="0"/>
-              <a:t>1/25/24</a:t>
+              <a:t>1/28/24</a:t>
             </a:fld>
             <a:endParaRPr lang="en-US"/>
           </a:p>
@@ -1595,7 +1595,7 @@
           <a:p>
             <a:fld id="{94C0F65A-03C2-A443-87A6-EAFB05600107}" type="datetimeFigureOut">
               <a:rPr lang="en-US" smtClean="0"/>
-              <a:t>1/25/24</a:t>
+              <a:t>1/28/24</a:t>
             </a:fld>
             <a:endParaRPr lang="en-US"/>
           </a:p>
@@ -1863,7 +1863,7 @@
           <a:p>
             <a:fld id="{94C0F65A-03C2-A443-87A6-EAFB05600107}" type="datetimeFigureOut">
               <a:rPr lang="en-US" smtClean="0"/>
-              <a:t>1/25/24</a:t>
+              <a:t>1/28/24</a:t>
             </a:fld>
             <a:endParaRPr lang="en-US"/>
           </a:p>
@@ -2278,7 +2278,7 @@
           <a:p>
             <a:fld id="{94C0F65A-03C2-A443-87A6-EAFB05600107}" type="datetimeFigureOut">
               <a:rPr lang="en-US" smtClean="0"/>
-              <a:t>1/25/24</a:t>
+              <a:t>1/28/24</a:t>
             </a:fld>
             <a:endParaRPr lang="en-US"/>
           </a:p>
@@ -2420,7 +2420,7 @@
           <a:p>
             <a:fld id="{94C0F65A-03C2-A443-87A6-EAFB05600107}" type="datetimeFigureOut">
               <a:rPr lang="en-US" smtClean="0"/>
-              <a:t>1/25/24</a:t>
+              <a:t>1/28/24</a:t>
             </a:fld>
             <a:endParaRPr lang="en-US"/>
           </a:p>
@@ -2533,7 +2533,7 @@
           <a:p>
             <a:fld id="{94C0F65A-03C2-A443-87A6-EAFB05600107}" type="datetimeFigureOut">
               <a:rPr lang="en-US" smtClean="0"/>
-              <a:t>1/25/24</a:t>
+              <a:t>1/28/24</a:t>
             </a:fld>
             <a:endParaRPr lang="en-US"/>
           </a:p>
@@ -2846,7 +2846,7 @@
           <a:p>
             <a:fld id="{94C0F65A-03C2-A443-87A6-EAFB05600107}" type="datetimeFigureOut">
               <a:rPr lang="en-US" smtClean="0"/>
-              <a:t>1/25/24</a:t>
+              <a:t>1/28/24</a:t>
             </a:fld>
             <a:endParaRPr lang="en-US"/>
           </a:p>
@@ -3135,7 +3135,7 @@
           <a:p>
             <a:fld id="{94C0F65A-03C2-A443-87A6-EAFB05600107}" type="datetimeFigureOut">
               <a:rPr lang="en-US" smtClean="0"/>
-              <a:t>1/25/24</a:t>
+              <a:t>1/28/24</a:t>
             </a:fld>
             <a:endParaRPr lang="en-US"/>
           </a:p>
@@ -3378,7 +3378,7 @@
           <a:p>
             <a:fld id="{94C0F65A-03C2-A443-87A6-EAFB05600107}" type="datetimeFigureOut">
               <a:rPr lang="en-US" smtClean="0"/>
-              <a:t>1/25/24</a:t>
+              <a:t>1/28/24</a:t>
             </a:fld>
             <a:endParaRPr lang="en-US"/>
           </a:p>
@@ -3797,10 +3797,10 @@
       </p:grpSpPr>
       <p:pic>
         <p:nvPicPr>
-          <p:cNvPr id="15" name="Picture 14">
-            <a:extLst>
-              <a:ext uri="{FF2B5EF4-FFF2-40B4-BE49-F238E27FC236}">
-                <a16:creationId xmlns:a16="http://schemas.microsoft.com/office/drawing/2014/main" id="{40C9ACC6-3D0C-422B-E5A9-C3588BE0A0CE}"/>
+          <p:cNvPr id="24" name="Picture 23">
+            <a:extLst>
+              <a:ext uri="{FF2B5EF4-FFF2-40B4-BE49-F238E27FC236}">
+                <a16:creationId xmlns:a16="http://schemas.microsoft.com/office/drawing/2014/main" id="{419C5DD8-937E-732E-22BB-7972840D0AC0}"/>
               </a:ext>
             </a:extLst>
           </p:cNvPr>
@@ -3817,8 +3817,8 @@
         </p:blipFill>
         <p:spPr>
           <a:xfrm>
-            <a:off x="2186319" y="3547069"/>
-            <a:ext cx="3197453" cy="3096731"/>
+            <a:off x="8127227" y="5068106"/>
+            <a:ext cx="1990766" cy="1507827"/>
           </a:xfrm>
           <a:prstGeom prst="rect">
             <a:avLst/>
@@ -3827,10 +3827,10 @@
       </p:pic>
       <p:pic>
         <p:nvPicPr>
-          <p:cNvPr id="4" name="Picture 3">
-            <a:extLst>
-              <a:ext uri="{FF2B5EF4-FFF2-40B4-BE49-F238E27FC236}">
-                <a16:creationId xmlns:a16="http://schemas.microsoft.com/office/drawing/2014/main" id="{DFFD1EA3-E787-FF85-187D-573A99187C9A}"/>
+          <p:cNvPr id="20" name="Picture 19">
+            <a:extLst>
+              <a:ext uri="{FF2B5EF4-FFF2-40B4-BE49-F238E27FC236}">
+                <a16:creationId xmlns:a16="http://schemas.microsoft.com/office/drawing/2014/main" id="{06483336-9389-2D8A-BD9A-82E608BAF939}"/>
               </a:ext>
             </a:extLst>
           </p:cNvPr>
@@ -3841,6 +3841,246 @@
         </p:nvPicPr>
         <p:blipFill>
           <a:blip r:embed="rId4"/>
+          <a:stretch>
+            <a:fillRect/>
+          </a:stretch>
+        </p:blipFill>
+        <p:spPr>
+          <a:xfrm>
+            <a:off x="6176278" y="5076185"/>
+            <a:ext cx="1992871" cy="1505131"/>
+          </a:xfrm>
+          <a:prstGeom prst="rect">
+            <a:avLst/>
+          </a:prstGeom>
+        </p:spPr>
+      </p:pic>
+      <p:pic>
+        <p:nvPicPr>
+          <p:cNvPr id="16" name="Picture 15">
+            <a:extLst>
+              <a:ext uri="{FF2B5EF4-FFF2-40B4-BE49-F238E27FC236}">
+                <a16:creationId xmlns:a16="http://schemas.microsoft.com/office/drawing/2014/main" id="{D76AC400-DA5B-6BBA-3515-91437CF45FF8}"/>
+              </a:ext>
+            </a:extLst>
+          </p:cNvPr>
+          <p:cNvPicPr>
+            <a:picLocks noChangeAspect="1"/>
+          </p:cNvPicPr>
+          <p:nvPr/>
+        </p:nvPicPr>
+        <p:blipFill>
+          <a:blip r:embed="rId5"/>
+          <a:stretch>
+            <a:fillRect/>
+          </a:stretch>
+        </p:blipFill>
+        <p:spPr>
+          <a:xfrm>
+            <a:off x="8125122" y="3532435"/>
+            <a:ext cx="1992871" cy="1507827"/>
+          </a:xfrm>
+          <a:prstGeom prst="rect">
+            <a:avLst/>
+          </a:prstGeom>
+        </p:spPr>
+      </p:pic>
+      <p:pic>
+        <p:nvPicPr>
+          <p:cNvPr id="13" name="Picture 12">
+            <a:extLst>
+              <a:ext uri="{FF2B5EF4-FFF2-40B4-BE49-F238E27FC236}">
+                <a16:creationId xmlns:a16="http://schemas.microsoft.com/office/drawing/2014/main" id="{890CBEEA-02D7-86A3-B71F-42A8ABB9A44D}"/>
+              </a:ext>
+            </a:extLst>
+          </p:cNvPr>
+          <p:cNvPicPr>
+            <a:picLocks noChangeAspect="1"/>
+          </p:cNvPicPr>
+          <p:nvPr/>
+        </p:nvPicPr>
+        <p:blipFill>
+          <a:blip r:embed="rId6"/>
+          <a:stretch>
+            <a:fillRect/>
+          </a:stretch>
+        </p:blipFill>
+        <p:spPr>
+          <a:xfrm>
+            <a:off x="6168153" y="3540323"/>
+            <a:ext cx="1991537" cy="1511075"/>
+          </a:xfrm>
+          <a:prstGeom prst="rect">
+            <a:avLst/>
+          </a:prstGeom>
+        </p:spPr>
+      </p:pic>
+      <p:pic>
+        <p:nvPicPr>
+          <p:cNvPr id="11" name="Picture 10">
+            <a:extLst>
+              <a:ext uri="{FF2B5EF4-FFF2-40B4-BE49-F238E27FC236}">
+                <a16:creationId xmlns:a16="http://schemas.microsoft.com/office/drawing/2014/main" id="{C2080CE0-8A3C-5EE4-4C8B-69318948EB9E}"/>
+              </a:ext>
+            </a:extLst>
+          </p:cNvPr>
+          <p:cNvPicPr>
+            <a:picLocks noChangeAspect="1"/>
+          </p:cNvPicPr>
+          <p:nvPr/>
+        </p:nvPicPr>
+        <p:blipFill>
+          <a:blip r:embed="rId7"/>
+          <a:stretch>
+            <a:fillRect/>
+          </a:stretch>
+        </p:blipFill>
+        <p:spPr>
+          <a:xfrm>
+            <a:off x="8125122" y="1649947"/>
+            <a:ext cx="1992871" cy="1518336"/>
+          </a:xfrm>
+          <a:prstGeom prst="rect">
+            <a:avLst/>
+          </a:prstGeom>
+        </p:spPr>
+      </p:pic>
+      <p:pic>
+        <p:nvPicPr>
+          <p:cNvPr id="9" name="Picture 8">
+            <a:extLst>
+              <a:ext uri="{FF2B5EF4-FFF2-40B4-BE49-F238E27FC236}">
+                <a16:creationId xmlns:a16="http://schemas.microsoft.com/office/drawing/2014/main" id="{6341456A-ADE7-7B01-1D8F-AEEBF1ACF022}"/>
+              </a:ext>
+            </a:extLst>
+          </p:cNvPr>
+          <p:cNvPicPr>
+            <a:picLocks noChangeAspect="1"/>
+          </p:cNvPicPr>
+          <p:nvPr/>
+        </p:nvPicPr>
+        <p:blipFill>
+          <a:blip r:embed="rId8"/>
+          <a:stretch>
+            <a:fillRect/>
+          </a:stretch>
+        </p:blipFill>
+        <p:spPr>
+          <a:xfrm>
+            <a:off x="6170290" y="1642621"/>
+            <a:ext cx="1992871" cy="1518337"/>
+          </a:xfrm>
+          <a:prstGeom prst="rect">
+            <a:avLst/>
+          </a:prstGeom>
+        </p:spPr>
+      </p:pic>
+      <p:pic>
+        <p:nvPicPr>
+          <p:cNvPr id="3" name="Picture 2">
+            <a:extLst>
+              <a:ext uri="{FF2B5EF4-FFF2-40B4-BE49-F238E27FC236}">
+                <a16:creationId xmlns:a16="http://schemas.microsoft.com/office/drawing/2014/main" id="{E747E927-72DB-DF1B-7063-61A3F2253550}"/>
+              </a:ext>
+            </a:extLst>
+          </p:cNvPr>
+          <p:cNvPicPr>
+            <a:picLocks noChangeAspect="1"/>
+          </p:cNvPicPr>
+          <p:nvPr/>
+        </p:nvPicPr>
+        <p:blipFill>
+          <a:blip r:embed="rId9"/>
+          <a:stretch>
+            <a:fillRect/>
+          </a:stretch>
+        </p:blipFill>
+        <p:spPr>
+          <a:xfrm>
+            <a:off x="6176278" y="107738"/>
+            <a:ext cx="1992871" cy="1518337"/>
+          </a:xfrm>
+          <a:prstGeom prst="rect">
+            <a:avLst/>
+          </a:prstGeom>
+        </p:spPr>
+      </p:pic>
+      <p:pic>
+        <p:nvPicPr>
+          <p:cNvPr id="7" name="Picture 6">
+            <a:extLst>
+              <a:ext uri="{FF2B5EF4-FFF2-40B4-BE49-F238E27FC236}">
+                <a16:creationId xmlns:a16="http://schemas.microsoft.com/office/drawing/2014/main" id="{70A687EC-9662-7DEB-FD0C-194F1BDC3C01}"/>
+              </a:ext>
+            </a:extLst>
+          </p:cNvPr>
+          <p:cNvPicPr>
+            <a:picLocks noChangeAspect="1"/>
+          </p:cNvPicPr>
+          <p:nvPr/>
+        </p:nvPicPr>
+        <p:blipFill>
+          <a:blip r:embed="rId10"/>
+          <a:stretch>
+            <a:fillRect/>
+          </a:stretch>
+        </p:blipFill>
+        <p:spPr>
+          <a:xfrm>
+            <a:off x="8126456" y="109340"/>
+            <a:ext cx="1991537" cy="1512162"/>
+          </a:xfrm>
+          <a:prstGeom prst="rect">
+            <a:avLst/>
+          </a:prstGeom>
+        </p:spPr>
+      </p:pic>
+      <p:pic>
+        <p:nvPicPr>
+          <p:cNvPr id="15" name="Picture 14">
+            <a:extLst>
+              <a:ext uri="{FF2B5EF4-FFF2-40B4-BE49-F238E27FC236}">
+                <a16:creationId xmlns:a16="http://schemas.microsoft.com/office/drawing/2014/main" id="{40C9ACC6-3D0C-422B-E5A9-C3588BE0A0CE}"/>
+              </a:ext>
+            </a:extLst>
+          </p:cNvPr>
+          <p:cNvPicPr>
+            <a:picLocks noChangeAspect="1"/>
+          </p:cNvPicPr>
+          <p:nvPr/>
+        </p:nvPicPr>
+        <p:blipFill>
+          <a:blip r:embed="rId11"/>
+          <a:stretch>
+            <a:fillRect/>
+          </a:stretch>
+        </p:blipFill>
+        <p:spPr>
+          <a:xfrm>
+            <a:off x="2186319" y="3547069"/>
+            <a:ext cx="3197453" cy="3096731"/>
+          </a:xfrm>
+          <a:prstGeom prst="rect">
+            <a:avLst/>
+          </a:prstGeom>
+        </p:spPr>
+      </p:pic>
+      <p:pic>
+        <p:nvPicPr>
+          <p:cNvPr id="4" name="Picture 3">
+            <a:extLst>
+              <a:ext uri="{FF2B5EF4-FFF2-40B4-BE49-F238E27FC236}">
+                <a16:creationId xmlns:a16="http://schemas.microsoft.com/office/drawing/2014/main" id="{DFFD1EA3-E787-FF85-187D-573A99187C9A}"/>
+              </a:ext>
+            </a:extLst>
+          </p:cNvPr>
+          <p:cNvPicPr>
+            <a:picLocks noChangeAspect="1"/>
+          </p:cNvPicPr>
+          <p:nvPr/>
+        </p:nvPicPr>
+        <p:blipFill>
+          <a:blip r:embed="rId12"/>
           <a:stretch>
             <a:fillRect/>
           </a:stretch>
@@ -3909,246 +4149,6 @@
       </p:sp>
       <p:pic>
         <p:nvPicPr>
-          <p:cNvPr id="42" name="Picture 41">
-            <a:extLst>
-              <a:ext uri="{FF2B5EF4-FFF2-40B4-BE49-F238E27FC236}">
-                <a16:creationId xmlns:a16="http://schemas.microsoft.com/office/drawing/2014/main" id="{3ECDBB24-E31D-7955-C588-23ED628C29B4}"/>
-              </a:ext>
-            </a:extLst>
-          </p:cNvPr>
-          <p:cNvPicPr>
-            <a:picLocks noChangeAspect="1"/>
-          </p:cNvPicPr>
-          <p:nvPr/>
-        </p:nvPicPr>
-        <p:blipFill>
-          <a:blip r:embed="rId5"/>
-          <a:stretch>
-            <a:fillRect/>
-          </a:stretch>
-        </p:blipFill>
-        <p:spPr>
-          <a:xfrm>
-            <a:off x="8112389" y="5079868"/>
-            <a:ext cx="1864519" cy="1453188"/>
-          </a:xfrm>
-          <a:prstGeom prst="rect">
-            <a:avLst/>
-          </a:prstGeom>
-        </p:spPr>
-      </p:pic>
-      <p:pic>
-        <p:nvPicPr>
-          <p:cNvPr id="40" name="Picture 39">
-            <a:extLst>
-              <a:ext uri="{FF2B5EF4-FFF2-40B4-BE49-F238E27FC236}">
-                <a16:creationId xmlns:a16="http://schemas.microsoft.com/office/drawing/2014/main" id="{8CBEC38B-D038-837C-55B2-81A38D83D6E7}"/>
-              </a:ext>
-            </a:extLst>
-          </p:cNvPr>
-          <p:cNvPicPr>
-            <a:picLocks noChangeAspect="1"/>
-          </p:cNvPicPr>
-          <p:nvPr/>
-        </p:nvPicPr>
-        <p:blipFill>
-          <a:blip r:embed="rId6"/>
-          <a:stretch>
-            <a:fillRect/>
-          </a:stretch>
-        </p:blipFill>
-        <p:spPr>
-          <a:xfrm>
-            <a:off x="6237938" y="5093544"/>
-            <a:ext cx="1863345" cy="1452273"/>
-          </a:xfrm>
-          <a:prstGeom prst="rect">
-            <a:avLst/>
-          </a:prstGeom>
-        </p:spPr>
-      </p:pic>
-      <p:pic>
-        <p:nvPicPr>
-          <p:cNvPr id="38" name="Picture 37">
-            <a:extLst>
-              <a:ext uri="{FF2B5EF4-FFF2-40B4-BE49-F238E27FC236}">
-                <a16:creationId xmlns:a16="http://schemas.microsoft.com/office/drawing/2014/main" id="{51C0D264-2A69-94BA-1DA9-4A85CBA554AD}"/>
-              </a:ext>
-            </a:extLst>
-          </p:cNvPr>
-          <p:cNvPicPr>
-            <a:picLocks noChangeAspect="1"/>
-          </p:cNvPicPr>
-          <p:nvPr/>
-        </p:nvPicPr>
-        <p:blipFill>
-          <a:blip r:embed="rId7"/>
-          <a:stretch>
-            <a:fillRect/>
-          </a:stretch>
-        </p:blipFill>
-        <p:spPr>
-          <a:xfrm>
-            <a:off x="8125377" y="3603970"/>
-            <a:ext cx="1863214" cy="1452172"/>
-          </a:xfrm>
-          <a:prstGeom prst="rect">
-            <a:avLst/>
-          </a:prstGeom>
-        </p:spPr>
-      </p:pic>
-      <p:pic>
-        <p:nvPicPr>
-          <p:cNvPr id="34" name="Picture 33">
-            <a:extLst>
-              <a:ext uri="{FF2B5EF4-FFF2-40B4-BE49-F238E27FC236}">
-                <a16:creationId xmlns:a16="http://schemas.microsoft.com/office/drawing/2014/main" id="{199998DD-7198-30C5-B9EE-CCEBB60AE8D6}"/>
-              </a:ext>
-            </a:extLst>
-          </p:cNvPr>
-          <p:cNvPicPr>
-            <a:picLocks noChangeAspect="1"/>
-          </p:cNvPicPr>
-          <p:nvPr/>
-        </p:nvPicPr>
-        <p:blipFill>
-          <a:blip r:embed="rId8"/>
-          <a:stretch>
-            <a:fillRect/>
-          </a:stretch>
-        </p:blipFill>
-        <p:spPr>
-          <a:xfrm>
-            <a:off x="6224390" y="3599080"/>
-            <a:ext cx="1863214" cy="1452171"/>
-          </a:xfrm>
-          <a:prstGeom prst="rect">
-            <a:avLst/>
-          </a:prstGeom>
-        </p:spPr>
-      </p:pic>
-      <p:pic>
-        <p:nvPicPr>
-          <p:cNvPr id="32" name="Picture 31">
-            <a:extLst>
-              <a:ext uri="{FF2B5EF4-FFF2-40B4-BE49-F238E27FC236}">
-                <a16:creationId xmlns:a16="http://schemas.microsoft.com/office/drawing/2014/main" id="{50688AFC-9C32-40C8-3EA4-71C7C7A44B5B}"/>
-              </a:ext>
-            </a:extLst>
-          </p:cNvPr>
-          <p:cNvPicPr>
-            <a:picLocks noChangeAspect="1"/>
-          </p:cNvPicPr>
-          <p:nvPr/>
-        </p:nvPicPr>
-        <p:blipFill>
-          <a:blip r:embed="rId9"/>
-          <a:stretch>
-            <a:fillRect/>
-          </a:stretch>
-        </p:blipFill>
-        <p:spPr>
-          <a:xfrm>
-            <a:off x="8101283" y="1669164"/>
-            <a:ext cx="1860399" cy="1449977"/>
-          </a:xfrm>
-          <a:prstGeom prst="rect">
-            <a:avLst/>
-          </a:prstGeom>
-        </p:spPr>
-      </p:pic>
-      <p:pic>
-        <p:nvPicPr>
-          <p:cNvPr id="30" name="Picture 29">
-            <a:extLst>
-              <a:ext uri="{FF2B5EF4-FFF2-40B4-BE49-F238E27FC236}">
-                <a16:creationId xmlns:a16="http://schemas.microsoft.com/office/drawing/2014/main" id="{C4AA6D2A-49CC-9B61-AAB5-81650D137CAE}"/>
-              </a:ext>
-            </a:extLst>
-          </p:cNvPr>
-          <p:cNvPicPr>
-            <a:picLocks noChangeAspect="1"/>
-          </p:cNvPicPr>
-          <p:nvPr/>
-        </p:nvPicPr>
-        <p:blipFill>
-          <a:blip r:embed="rId10"/>
-          <a:stretch>
-            <a:fillRect/>
-          </a:stretch>
-        </p:blipFill>
-        <p:spPr>
-          <a:xfrm>
-            <a:off x="6182819" y="1669164"/>
-            <a:ext cx="1864519" cy="1453188"/>
-          </a:xfrm>
-          <a:prstGeom prst="rect">
-            <a:avLst/>
-          </a:prstGeom>
-        </p:spPr>
-      </p:pic>
-      <p:pic>
-        <p:nvPicPr>
-          <p:cNvPr id="28" name="Picture 27">
-            <a:extLst>
-              <a:ext uri="{FF2B5EF4-FFF2-40B4-BE49-F238E27FC236}">
-                <a16:creationId xmlns:a16="http://schemas.microsoft.com/office/drawing/2014/main" id="{741DE472-800D-600F-4E90-33AC22DF4762}"/>
-              </a:ext>
-            </a:extLst>
-          </p:cNvPr>
-          <p:cNvPicPr>
-            <a:picLocks noChangeAspect="1"/>
-          </p:cNvPicPr>
-          <p:nvPr/>
-        </p:nvPicPr>
-        <p:blipFill>
-          <a:blip r:embed="rId11"/>
-          <a:stretch>
-            <a:fillRect/>
-          </a:stretch>
-        </p:blipFill>
-        <p:spPr>
-          <a:xfrm>
-            <a:off x="8130514" y="140249"/>
-            <a:ext cx="1860398" cy="1448396"/>
-          </a:xfrm>
-          <a:prstGeom prst="rect">
-            <a:avLst/>
-          </a:prstGeom>
-        </p:spPr>
-      </p:pic>
-      <p:pic>
-        <p:nvPicPr>
-          <p:cNvPr id="26" name="Picture 25">
-            <a:extLst>
-              <a:ext uri="{FF2B5EF4-FFF2-40B4-BE49-F238E27FC236}">
-                <a16:creationId xmlns:a16="http://schemas.microsoft.com/office/drawing/2014/main" id="{4998CF2A-55D3-D80E-62CA-7F77237F24E4}"/>
-              </a:ext>
-            </a:extLst>
-          </p:cNvPr>
-          <p:cNvPicPr>
-            <a:picLocks noChangeAspect="1"/>
-          </p:cNvPicPr>
-          <p:nvPr/>
-        </p:nvPicPr>
-        <p:blipFill>
-          <a:blip r:embed="rId12"/>
-          <a:stretch>
-            <a:fillRect/>
-          </a:stretch>
-        </p:blipFill>
-        <p:spPr>
-          <a:xfrm>
-            <a:off x="6194343" y="140228"/>
-            <a:ext cx="1864518" cy="1453188"/>
-          </a:xfrm>
-          <a:prstGeom prst="rect">
-            <a:avLst/>
-          </a:prstGeom>
-        </p:spPr>
-      </p:pic>
-      <p:pic>
-        <p:nvPicPr>
           <p:cNvPr id="21" name="Picture 20" descr="A yellow blue and red flag&#10;&#10;Description automatically generated">
             <a:extLst>
               <a:ext uri="{FF2B5EF4-FFF2-40B4-BE49-F238E27FC236}">
@@ -4269,7 +4269,7 @@
         </p:nvSpPr>
         <p:spPr>
           <a:xfrm>
-            <a:off x="7288099" y="3124933"/>
+            <a:off x="7308862" y="3156774"/>
             <a:ext cx="1864518" cy="246221"/>
           </a:xfrm>
           <a:prstGeom prst="rect">
@@ -4305,8 +4305,8 @@
         </p:nvSpPr>
         <p:spPr>
           <a:xfrm>
-            <a:off x="6402683" y="1450165"/>
-            <a:ext cx="3685029" cy="251139"/>
+            <a:off x="6444986" y="1464558"/>
+            <a:ext cx="3642726" cy="236746"/>
           </a:xfrm>
           <a:prstGeom prst="rect">
             <a:avLst/>
@@ -4357,8 +4357,8 @@
         </p:nvSpPr>
         <p:spPr>
           <a:xfrm rot="16200000">
-            <a:off x="6734362" y="1501448"/>
-            <a:ext cx="2929125" cy="172235"/>
+            <a:off x="6771721" y="1531767"/>
+            <a:ext cx="2989243" cy="206794"/>
           </a:xfrm>
           <a:prstGeom prst="rect">
             <a:avLst/>
@@ -4409,7 +4409,7 @@
         </p:nvSpPr>
         <p:spPr>
           <a:xfrm>
-            <a:off x="6422033" y="127200"/>
+            <a:off x="6485490" y="138900"/>
             <a:ext cx="722592" cy="246221"/>
           </a:xfrm>
           <a:prstGeom prst="rect">
@@ -4452,8 +4452,8 @@
         </p:nvSpPr>
         <p:spPr>
           <a:xfrm>
-            <a:off x="8320867" y="123003"/>
-            <a:ext cx="722592" cy="246221"/>
+            <a:off x="8381276" y="133375"/>
+            <a:ext cx="540383" cy="246221"/>
           </a:xfrm>
           <a:prstGeom prst="rect">
             <a:avLst/>
@@ -4495,8 +4495,8 @@
         </p:nvSpPr>
         <p:spPr>
           <a:xfrm>
-            <a:off x="6422033" y="1589745"/>
-            <a:ext cx="722592" cy="246221"/>
+            <a:off x="6485490" y="1671997"/>
+            <a:ext cx="687187" cy="246221"/>
           </a:xfrm>
           <a:prstGeom prst="rect">
             <a:avLst/>
@@ -4538,8 +4538,8 @@
         </p:nvSpPr>
         <p:spPr>
           <a:xfrm>
-            <a:off x="8320867" y="1594663"/>
-            <a:ext cx="722592" cy="246221"/>
+            <a:off x="8366688" y="1668634"/>
+            <a:ext cx="612733" cy="246221"/>
           </a:xfrm>
           <a:prstGeom prst="rect">
             <a:avLst/>
@@ -4629,7 +4629,7 @@
         </p:nvSpPr>
         <p:spPr>
           <a:xfrm>
-            <a:off x="7288099" y="6512197"/>
+            <a:off x="7334083" y="6609160"/>
             <a:ext cx="1864518" cy="246221"/>
           </a:xfrm>
           <a:prstGeom prst="rect">
@@ -4717,8 +4717,8 @@
         </p:nvSpPr>
         <p:spPr>
           <a:xfrm rot="16200000">
-            <a:off x="6724587" y="4957805"/>
-            <a:ext cx="2862564" cy="246219"/>
+            <a:off x="6797491" y="4999663"/>
+            <a:ext cx="2947929" cy="204610"/>
           </a:xfrm>
           <a:prstGeom prst="rect">
             <a:avLst/>
@@ -4769,7 +4769,7 @@
         </p:nvSpPr>
         <p:spPr>
           <a:xfrm>
-            <a:off x="6449847" y="3561290"/>
+            <a:off x="6485490" y="3579567"/>
             <a:ext cx="722592" cy="246221"/>
           </a:xfrm>
           <a:prstGeom prst="rect">
@@ -4812,8 +4812,8 @@
         </p:nvSpPr>
         <p:spPr>
           <a:xfrm>
-            <a:off x="8314365" y="3569195"/>
-            <a:ext cx="722592" cy="246221"/>
+            <a:off x="8369740" y="3579567"/>
+            <a:ext cx="634703" cy="246221"/>
           </a:xfrm>
           <a:prstGeom prst="rect">
             <a:avLst/>
@@ -4855,8 +4855,8 @@
         </p:nvSpPr>
         <p:spPr>
           <a:xfrm>
-            <a:off x="6463892" y="5071963"/>
-            <a:ext cx="722592" cy="246221"/>
+            <a:off x="6485490" y="5103046"/>
+            <a:ext cx="687187" cy="248527"/>
           </a:xfrm>
           <a:prstGeom prst="rect">
             <a:avLst/>
@@ -4898,8 +4898,8 @@
         </p:nvSpPr>
         <p:spPr>
           <a:xfrm>
-            <a:off x="8328410" y="5076490"/>
-            <a:ext cx="722592" cy="246221"/>
+            <a:off x="8379190" y="5100319"/>
+            <a:ext cx="625253" cy="246221"/>
           </a:xfrm>
           <a:prstGeom prst="rect">
             <a:avLst/>
